--- a/djJava/자바 환경 설정.pptx
+++ b/djJava/자바 환경 설정.pptx
@@ -21,6 +21,9 @@
     <p:sldId id="269" r:id="rId15"/>
     <p:sldId id="270" r:id="rId16"/>
     <p:sldId id="271" r:id="rId17"/>
+    <p:sldId id="272" r:id="rId18"/>
+    <p:sldId id="273" r:id="rId19"/>
+    <p:sldId id="274" r:id="rId20"/>
   </p:sldIdLst>
   <p:sldSz cx="12192000" cy="6858000"/>
   <p:notesSz cx="6858000" cy="9144000"/>
@@ -119,6 +122,11 @@
       </a:defRPr>
     </a:lvl9pPr>
   </p:defaultTextStyle>
+  <p:extLst>
+    <p:ext uri="{EFAFB233-063F-42B5-8137-9DF3F51BA10A}">
+      <p15:sldGuideLst xmlns:p15="http://schemas.microsoft.com/office/powerpoint/2012/main"/>
+    </p:ext>
+  </p:extLst>
 </p:presentation>
 </file>
 
@@ -296,7 +304,7 @@
             <a:fld id="{87DE6118-2437-4B30-8E3C-4D2BE6020583}" type="datetimeFigureOut">
               <a:rPr lang="en-US" dirty="0"/>
               <a:pPr/>
-              <a:t>10/11/2022</a:t>
+              <a:t>10/12/2022</a:t>
             </a:fld>
             <a:endParaRPr lang="en-US" dirty="0"/>
           </a:p>
@@ -622,7 +630,7 @@
           <a:p>
             <a:fld id="{87DE6118-2437-4B30-8E3C-4D2BE6020583}" type="datetimeFigureOut">
               <a:rPr lang="en-US" dirty="0"/>
-              <a:t>10/11/2022</a:t>
+              <a:t>10/12/2022</a:t>
             </a:fld>
             <a:endParaRPr lang="en-US" dirty="0"/>
           </a:p>
@@ -797,7 +805,7 @@
           <a:p>
             <a:fld id="{87DE6118-2437-4B30-8E3C-4D2BE6020583}" type="datetimeFigureOut">
               <a:rPr lang="en-US" dirty="0"/>
-              <a:t>10/11/2022</a:t>
+              <a:t>10/12/2022</a:t>
             </a:fld>
             <a:endParaRPr lang="en-US" dirty="0"/>
           </a:p>
@@ -962,7 +970,7 @@
           <a:p>
             <a:fld id="{87DE6118-2437-4B30-8E3C-4D2BE6020583}" type="datetimeFigureOut">
               <a:rPr lang="en-US" dirty="0"/>
-              <a:t>10/11/2022</a:t>
+              <a:t>10/12/2022</a:t>
             </a:fld>
             <a:endParaRPr lang="en-US" dirty="0"/>
           </a:p>
@@ -1235,7 +1243,7 @@
             <a:fld id="{87DE6118-2437-4B30-8E3C-4D2BE6020583}" type="datetimeFigureOut">
               <a:rPr lang="en-US" dirty="0"/>
               <a:pPr/>
-              <a:t>10/11/2022</a:t>
+              <a:t>10/12/2022</a:t>
             </a:fld>
             <a:endParaRPr lang="en-US" dirty="0"/>
           </a:p>
@@ -1625,7 +1633,7 @@
           <a:p>
             <a:fld id="{87DE6118-2437-4B30-8E3C-4D2BE6020583}" type="datetimeFigureOut">
               <a:rPr lang="en-US" dirty="0"/>
-              <a:t>10/11/2022</a:t>
+              <a:t>10/12/2022</a:t>
             </a:fld>
             <a:endParaRPr lang="en-US" dirty="0"/>
           </a:p>
@@ -2097,7 +2105,7 @@
           <a:p>
             <a:fld id="{87DE6118-2437-4B30-8E3C-4D2BE6020583}" type="datetimeFigureOut">
               <a:rPr lang="en-US" dirty="0"/>
-              <a:t>10/11/2022</a:t>
+              <a:t>10/12/2022</a:t>
             </a:fld>
             <a:endParaRPr lang="en-US" dirty="0"/>
           </a:p>
@@ -2210,7 +2218,7 @@
           <a:p>
             <a:fld id="{87DE6118-2437-4B30-8E3C-4D2BE6020583}" type="datetimeFigureOut">
               <a:rPr lang="en-US" dirty="0"/>
-              <a:t>10/11/2022</a:t>
+              <a:t>10/12/2022</a:t>
             </a:fld>
             <a:endParaRPr lang="en-US" dirty="0"/>
           </a:p>
@@ -2300,7 +2308,7 @@
           <a:p>
             <a:fld id="{87DE6118-2437-4B30-8E3C-4D2BE6020583}" type="datetimeFigureOut">
               <a:rPr lang="en-US" dirty="0"/>
-              <a:t>10/11/2022</a:t>
+              <a:t>10/12/2022</a:t>
             </a:fld>
             <a:endParaRPr lang="en-US" dirty="0"/>
           </a:p>
@@ -2642,7 +2650,7 @@
             <a:fld id="{87DE6118-2437-4B30-8E3C-4D2BE6020583}" type="datetimeFigureOut">
               <a:rPr lang="en-US" dirty="0"/>
               <a:pPr/>
-              <a:t>10/11/2022</a:t>
+              <a:t>10/12/2022</a:t>
             </a:fld>
             <a:endParaRPr lang="en-US" dirty="0"/>
           </a:p>
@@ -3027,7 +3035,7 @@
             <a:fld id="{87DE6118-2437-4B30-8E3C-4D2BE6020583}" type="datetimeFigureOut">
               <a:rPr lang="en-US" dirty="0"/>
               <a:pPr/>
-              <a:t>10/11/2022</a:t>
+              <a:t>10/12/2022</a:t>
             </a:fld>
             <a:endParaRPr lang="en-US" dirty="0"/>
           </a:p>
@@ -3302,7 +3310,7 @@
             <a:fld id="{87DE6118-2437-4B30-8E3C-4D2BE6020583}" type="datetimeFigureOut">
               <a:rPr lang="en-US" dirty="0"/>
               <a:pPr/>
-              <a:t>10/11/2022</a:t>
+              <a:t>10/12/2022</a:t>
             </a:fld>
             <a:endParaRPr lang="en-US" dirty="0"/>
           </a:p>
@@ -3984,7 +3992,6 @@
               <a:rPr lang="ko-KR" altLang="en-US" dirty="0"/>
               <a:t> 새로 만들기 클릭</a:t>
             </a:r>
-            <a:endParaRPr lang="ko-KR" altLang="en-US" dirty="0"/>
           </a:p>
         </p:txBody>
       </p:sp>
@@ -5135,6 +5142,50 @@
           </a:p>
         </p:txBody>
       </p:sp>
+      <p:sp>
+        <p:nvSpPr>
+          <p:cNvPr id="6" name="직사각형 5"/>
+          <p:cNvSpPr/>
+          <p:nvPr/>
+        </p:nvSpPr>
+        <p:spPr>
+          <a:xfrm>
+            <a:off x="6346997" y="2463055"/>
+            <a:ext cx="2082107" cy="446400"/>
+          </a:xfrm>
+          <a:prstGeom prst="rect">
+            <a:avLst/>
+          </a:prstGeom>
+          <a:noFill/>
+          <a:ln>
+            <a:solidFill>
+              <a:srgbClr val="FF0000"/>
+            </a:solidFill>
+          </a:ln>
+        </p:spPr>
+        <p:style>
+          <a:lnRef idx="2">
+            <a:schemeClr val="accent6"/>
+          </a:lnRef>
+          <a:fillRef idx="1">
+            <a:schemeClr val="lt1"/>
+          </a:fillRef>
+          <a:effectRef idx="0">
+            <a:schemeClr val="accent6"/>
+          </a:effectRef>
+          <a:fontRef idx="minor">
+            <a:schemeClr val="dk1"/>
+          </a:fontRef>
+        </p:style>
+        <p:txBody>
+          <a:bodyPr rtlCol="0" anchor="ctr"/>
+          <a:lstStyle/>
+          <a:p>
+            <a:pPr algn="ctr"/>
+            <a:endParaRPr lang="ko-KR" altLang="en-US"/>
+          </a:p>
+        </p:txBody>
+      </p:sp>
     </p:spTree>
     <p:extLst>
       <p:ext uri="{BB962C8B-B14F-4D97-AF65-F5344CB8AC3E}">
@@ -5233,8 +5284,16 @@
           <a:lstStyle/>
           <a:p>
             <a:r>
+              <a:rPr lang="ko-KR" altLang="en-US" b="1" u="sng" dirty="0" smtClean="0"/>
+              <a:t>반드시</a:t>
+            </a:r>
+            <a:r>
               <a:rPr lang="ko-KR" altLang="en-US" dirty="0" smtClean="0"/>
-              <a:t>모든 창을 확인 눌러서 꺼야 함</a:t>
+              <a:t> 모든 </a:t>
+            </a:r>
+            <a:r>
+              <a:rPr lang="ko-KR" altLang="en-US" dirty="0" smtClean="0"/>
+              <a:t>창을 확인 눌러서 꺼야 함</a:t>
             </a:r>
             <a:endParaRPr lang="ko-KR" altLang="en-US" dirty="0"/>
           </a:p>
@@ -5248,8 +5307,8 @@
         </p:nvSpPr>
         <p:spPr>
           <a:xfrm>
-            <a:off x="2774950" y="6019488"/>
-            <a:ext cx="1257300" cy="558906"/>
+            <a:off x="2924579" y="6400747"/>
+            <a:ext cx="641581" cy="279453"/>
           </a:xfrm>
           <a:prstGeom prst="rect">
             <a:avLst/>
@@ -5308,10 +5367,747 @@
           </a:prstGeom>
         </p:spPr>
       </p:pic>
+      <p:sp>
+        <p:nvSpPr>
+          <p:cNvPr id="9" name="직사각형 8"/>
+          <p:cNvSpPr/>
+          <p:nvPr/>
+        </p:nvSpPr>
+        <p:spPr>
+          <a:xfrm>
+            <a:off x="8422063" y="5164921"/>
+            <a:ext cx="755188" cy="329792"/>
+          </a:xfrm>
+          <a:prstGeom prst="rect">
+            <a:avLst/>
+          </a:prstGeom>
+          <a:noFill/>
+          <a:ln>
+            <a:solidFill>
+              <a:srgbClr val="FF0000"/>
+            </a:solidFill>
+          </a:ln>
+        </p:spPr>
+        <p:style>
+          <a:lnRef idx="2">
+            <a:schemeClr val="accent6"/>
+          </a:lnRef>
+          <a:fillRef idx="1">
+            <a:schemeClr val="lt1"/>
+          </a:fillRef>
+          <a:effectRef idx="0">
+            <a:schemeClr val="accent6"/>
+          </a:effectRef>
+          <a:fontRef idx="minor">
+            <a:schemeClr val="dk1"/>
+          </a:fontRef>
+        </p:style>
+        <p:txBody>
+          <a:bodyPr rtlCol="0" anchor="ctr"/>
+          <a:lstStyle/>
+          <a:p>
+            <a:pPr algn="ctr"/>
+            <a:endParaRPr lang="ko-KR" altLang="en-US"/>
+          </a:p>
+        </p:txBody>
+      </p:sp>
     </p:spTree>
     <p:extLst>
       <p:ext uri="{BB962C8B-B14F-4D97-AF65-F5344CB8AC3E}">
         <p14:creationId xmlns:p14="http://schemas.microsoft.com/office/powerpoint/2010/main" val="3608795299"/>
+      </p:ext>
+    </p:extLst>
+  </p:cSld>
+  <p:clrMapOvr>
+    <a:masterClrMapping/>
+  </p:clrMapOvr>
+</p:sld>
+</file>
+
+<file path=ppt/slides/slide17.xml><?xml version="1.0" encoding="utf-8"?>
+<p:sld xmlns:a="http://schemas.openxmlformats.org/drawingml/2006/main" xmlns:r="http://schemas.openxmlformats.org/officeDocument/2006/relationships" xmlns:p="http://schemas.openxmlformats.org/presentationml/2006/main">
+  <p:cSld>
+    <p:spTree>
+      <p:nvGrpSpPr>
+        <p:cNvPr id="1" name=""/>
+        <p:cNvGrpSpPr/>
+        <p:nvPr/>
+      </p:nvGrpSpPr>
+      <p:grpSpPr>
+        <a:xfrm>
+          <a:off x="0" y="0"/>
+          <a:ext cx="0" cy="0"/>
+          <a:chOff x="0" y="0"/>
+          <a:chExt cx="0" cy="0"/>
+        </a:xfrm>
+      </p:grpSpPr>
+      <p:sp>
+        <p:nvSpPr>
+          <p:cNvPr id="2" name="제목 1"/>
+          <p:cNvSpPr>
+            <a:spLocks noGrp="1"/>
+          </p:cNvSpPr>
+          <p:nvPr>
+            <p:ph type="title"/>
+          </p:nvPr>
+        </p:nvSpPr>
+        <p:spPr/>
+        <p:txBody>
+          <a:bodyPr/>
+          <a:lstStyle/>
+          <a:p>
+            <a:r>
+              <a:rPr lang="ko-KR" altLang="en-US" dirty="0" smtClean="0"/>
+              <a:t>환경 변수 확인</a:t>
+            </a:r>
+            <a:endParaRPr lang="ko-KR" altLang="en-US" dirty="0"/>
+          </a:p>
+        </p:txBody>
+      </p:sp>
+      <p:pic>
+        <p:nvPicPr>
+          <p:cNvPr id="4" name="내용 개체 틀 3"/>
+          <p:cNvPicPr>
+            <a:picLocks noGrp="1" noChangeAspect="1"/>
+          </p:cNvPicPr>
+          <p:nvPr>
+            <p:ph idx="1"/>
+          </p:nvPr>
+        </p:nvPicPr>
+        <p:blipFill>
+          <a:blip r:embed="rId2"/>
+          <a:stretch>
+            <a:fillRect/>
+          </a:stretch>
+        </p:blipFill>
+        <p:spPr>
+          <a:xfrm>
+            <a:off x="1371600" y="3650953"/>
+            <a:ext cx="3934374" cy="2181529"/>
+          </a:xfrm>
+          <a:prstGeom prst="rect">
+            <a:avLst/>
+          </a:prstGeom>
+        </p:spPr>
+      </p:pic>
+      <p:pic>
+        <p:nvPicPr>
+          <p:cNvPr id="5" name="그림 4"/>
+          <p:cNvPicPr>
+            <a:picLocks noChangeAspect="1"/>
+          </p:cNvPicPr>
+          <p:nvPr/>
+        </p:nvPicPr>
+        <p:blipFill>
+          <a:blip r:embed="rId3"/>
+          <a:stretch>
+            <a:fillRect/>
+          </a:stretch>
+        </p:blipFill>
+        <p:spPr>
+          <a:xfrm>
+            <a:off x="5853819" y="3210791"/>
+            <a:ext cx="6085726" cy="3182729"/>
+          </a:xfrm>
+          <a:prstGeom prst="rect">
+            <a:avLst/>
+          </a:prstGeom>
+        </p:spPr>
+      </p:pic>
+      <p:sp>
+        <p:nvSpPr>
+          <p:cNvPr id="6" name="내용 개체 틀 2"/>
+          <p:cNvSpPr txBox="1">
+            <a:spLocks/>
+          </p:cNvSpPr>
+          <p:nvPr/>
+        </p:nvSpPr>
+        <p:spPr>
+          <a:xfrm>
+            <a:off x="1371600" y="2286000"/>
+            <a:ext cx="10299700" cy="3581400"/>
+          </a:xfrm>
+          <a:prstGeom prst="rect">
+            <a:avLst/>
+          </a:prstGeom>
+        </p:spPr>
+        <p:txBody>
+          <a:bodyPr vert="horz" lIns="91440" tIns="45720" rIns="91440" bIns="45720" rtlCol="0">
+            <a:normAutofit/>
+          </a:bodyPr>
+          <a:lstStyle>
+            <a:lvl1pPr marL="384048" indent="-384048" algn="l" defTabSz="914400" rtl="0" eaLnBrk="1" latinLnBrk="1" hangingPunct="1">
+              <a:lnSpc>
+                <a:spcPct val="94000"/>
+              </a:lnSpc>
+              <a:spcBef>
+                <a:spcPts val="1000"/>
+              </a:spcBef>
+              <a:spcAft>
+                <a:spcPts val="200"/>
+              </a:spcAft>
+              <a:buFont typeface="Franklin Gothic Book" panose="020B0503020102020204" pitchFamily="34" charset="0"/>
+              <a:buChar char="■"/>
+              <a:defRPr sz="2000" kern="1200" baseline="0">
+                <a:solidFill>
+                  <a:schemeClr val="tx2"/>
+                </a:solidFill>
+                <a:latin typeface="+mn-lt"/>
+                <a:ea typeface="+mn-ea"/>
+                <a:cs typeface="+mn-cs"/>
+              </a:defRPr>
+            </a:lvl1pPr>
+            <a:lvl2pPr marL="914400" indent="-384048" algn="l" defTabSz="914400" rtl="0" eaLnBrk="1" latinLnBrk="1" hangingPunct="1">
+              <a:lnSpc>
+                <a:spcPct val="94000"/>
+              </a:lnSpc>
+              <a:spcBef>
+                <a:spcPts val="500"/>
+              </a:spcBef>
+              <a:spcAft>
+                <a:spcPts val="200"/>
+              </a:spcAft>
+              <a:buFont typeface="Franklin Gothic Book" panose="020B0503020102020204" pitchFamily="34" charset="0"/>
+              <a:buChar char="–"/>
+              <a:defRPr sz="2000" i="1" kern="1200" baseline="0">
+                <a:solidFill>
+                  <a:schemeClr val="tx2"/>
+                </a:solidFill>
+                <a:latin typeface="+mn-lt"/>
+                <a:ea typeface="+mn-ea"/>
+                <a:cs typeface="+mn-cs"/>
+              </a:defRPr>
+            </a:lvl2pPr>
+            <a:lvl3pPr marL="1371600" indent="-384048" algn="l" defTabSz="914400" rtl="0" eaLnBrk="1" latinLnBrk="1" hangingPunct="1">
+              <a:lnSpc>
+                <a:spcPct val="94000"/>
+              </a:lnSpc>
+              <a:spcBef>
+                <a:spcPts val="500"/>
+              </a:spcBef>
+              <a:spcAft>
+                <a:spcPts val="200"/>
+              </a:spcAft>
+              <a:buFont typeface="Franklin Gothic Book" panose="020B0503020102020204" pitchFamily="34" charset="0"/>
+              <a:buChar char="■"/>
+              <a:defRPr sz="1800" kern="1200" baseline="0">
+                <a:solidFill>
+                  <a:schemeClr val="tx2"/>
+                </a:solidFill>
+                <a:latin typeface="+mn-lt"/>
+                <a:ea typeface="+mn-ea"/>
+                <a:cs typeface="+mn-cs"/>
+              </a:defRPr>
+            </a:lvl3pPr>
+            <a:lvl4pPr marL="1828800" indent="-384048" algn="l" defTabSz="914400" rtl="0" eaLnBrk="1" latinLnBrk="1" hangingPunct="1">
+              <a:lnSpc>
+                <a:spcPct val="94000"/>
+              </a:lnSpc>
+              <a:spcBef>
+                <a:spcPts val="500"/>
+              </a:spcBef>
+              <a:spcAft>
+                <a:spcPts val="200"/>
+              </a:spcAft>
+              <a:buFont typeface="Franklin Gothic Book" panose="020B0503020102020204" pitchFamily="34" charset="0"/>
+              <a:buChar char="–"/>
+              <a:defRPr sz="1800" i="1" kern="1200" baseline="0">
+                <a:solidFill>
+                  <a:schemeClr val="tx2"/>
+                </a:solidFill>
+                <a:latin typeface="+mn-lt"/>
+                <a:ea typeface="+mn-ea"/>
+                <a:cs typeface="+mn-cs"/>
+              </a:defRPr>
+            </a:lvl4pPr>
+            <a:lvl5pPr marL="2286000" indent="-384048" algn="l" defTabSz="914400" rtl="0" eaLnBrk="1" latinLnBrk="1" hangingPunct="1">
+              <a:lnSpc>
+                <a:spcPct val="94000"/>
+              </a:lnSpc>
+              <a:spcBef>
+                <a:spcPts val="500"/>
+              </a:spcBef>
+              <a:spcAft>
+                <a:spcPts val="200"/>
+              </a:spcAft>
+              <a:buFont typeface="Franklin Gothic Book" panose="020B0503020102020204" pitchFamily="34" charset="0"/>
+              <a:buChar char="■"/>
+              <a:defRPr sz="1600" kern="1200" baseline="0">
+                <a:solidFill>
+                  <a:schemeClr val="tx2"/>
+                </a:solidFill>
+                <a:latin typeface="+mn-lt"/>
+                <a:ea typeface="+mn-ea"/>
+                <a:cs typeface="+mn-cs"/>
+              </a:defRPr>
+            </a:lvl5pPr>
+            <a:lvl6pPr marL="2743200" indent="-384048" algn="l" defTabSz="914400" rtl="0" eaLnBrk="1" latinLnBrk="1" hangingPunct="1">
+              <a:lnSpc>
+                <a:spcPct val="94000"/>
+              </a:lnSpc>
+              <a:spcBef>
+                <a:spcPts val="500"/>
+              </a:spcBef>
+              <a:spcAft>
+                <a:spcPts val="200"/>
+              </a:spcAft>
+              <a:buFont typeface="Franklin Gothic Book" panose="020B0503020102020204" pitchFamily="34" charset="0"/>
+              <a:buChar char="–"/>
+              <a:defRPr sz="1600" i="1" kern="1200" baseline="0">
+                <a:solidFill>
+                  <a:schemeClr val="tx2"/>
+                </a:solidFill>
+                <a:latin typeface="+mn-lt"/>
+                <a:ea typeface="+mn-ea"/>
+                <a:cs typeface="+mn-cs"/>
+              </a:defRPr>
+            </a:lvl6pPr>
+            <a:lvl7pPr marL="3200400" indent="-384048" algn="l" defTabSz="914400" rtl="0" eaLnBrk="1" latinLnBrk="1" hangingPunct="1">
+              <a:lnSpc>
+                <a:spcPct val="94000"/>
+              </a:lnSpc>
+              <a:spcBef>
+                <a:spcPts val="500"/>
+              </a:spcBef>
+              <a:spcAft>
+                <a:spcPts val="200"/>
+              </a:spcAft>
+              <a:buFont typeface="Franklin Gothic Book" panose="020B0503020102020204" pitchFamily="34" charset="0"/>
+              <a:buChar char="■"/>
+              <a:defRPr sz="1400" kern="1200" baseline="0">
+                <a:solidFill>
+                  <a:schemeClr val="tx2"/>
+                </a:solidFill>
+                <a:latin typeface="+mn-lt"/>
+                <a:ea typeface="+mn-ea"/>
+                <a:cs typeface="+mn-cs"/>
+              </a:defRPr>
+            </a:lvl7pPr>
+            <a:lvl8pPr marL="3657600" indent="-384048" algn="l" defTabSz="914400" rtl="0" eaLnBrk="1" latinLnBrk="1" hangingPunct="1">
+              <a:lnSpc>
+                <a:spcPct val="94000"/>
+              </a:lnSpc>
+              <a:spcBef>
+                <a:spcPts val="500"/>
+              </a:spcBef>
+              <a:spcAft>
+                <a:spcPts val="200"/>
+              </a:spcAft>
+              <a:buFont typeface="Franklin Gothic Book" panose="020B0503020102020204" pitchFamily="34" charset="0"/>
+              <a:buChar char="–"/>
+              <a:defRPr sz="1400" i="1" kern="1200" baseline="0">
+                <a:solidFill>
+                  <a:schemeClr val="tx2"/>
+                </a:solidFill>
+                <a:latin typeface="+mn-lt"/>
+                <a:ea typeface="+mn-ea"/>
+                <a:cs typeface="+mn-cs"/>
+              </a:defRPr>
+            </a:lvl8pPr>
+            <a:lvl9pPr marL="4114800" indent="-384048" algn="l" defTabSz="914400" rtl="0" eaLnBrk="1" latinLnBrk="1" hangingPunct="1">
+              <a:lnSpc>
+                <a:spcPct val="94000"/>
+              </a:lnSpc>
+              <a:spcBef>
+                <a:spcPts val="500"/>
+              </a:spcBef>
+              <a:spcAft>
+                <a:spcPts val="200"/>
+              </a:spcAft>
+              <a:buFont typeface="Franklin Gothic Book" panose="020B0503020102020204" pitchFamily="34" charset="0"/>
+              <a:buChar char="■"/>
+              <a:defRPr sz="1400" kern="1200" baseline="0">
+                <a:solidFill>
+                  <a:schemeClr val="tx2"/>
+                </a:solidFill>
+                <a:latin typeface="+mn-lt"/>
+                <a:ea typeface="+mn-ea"/>
+                <a:cs typeface="+mn-cs"/>
+              </a:defRPr>
+            </a:lvl9pPr>
+          </a:lstStyle>
+          <a:p>
+            <a:r>
+              <a:rPr lang="en-US" altLang="ko-KR" dirty="0" smtClean="0"/>
+              <a:t>CMD </a:t>
+            </a:r>
+            <a:r>
+              <a:rPr lang="ko-KR" altLang="en-US" dirty="0" smtClean="0"/>
+              <a:t>실행</a:t>
+            </a:r>
+            <a:endParaRPr lang="en-US" altLang="ko-KR" dirty="0" smtClean="0"/>
+          </a:p>
+          <a:p>
+            <a:pPr lvl="1"/>
+            <a:r>
+              <a:rPr lang="en-US" altLang="ko-KR" i="0" dirty="0" smtClean="0"/>
+              <a:t>Window</a:t>
+            </a:r>
+            <a:r>
+              <a:rPr lang="ko-KR" altLang="en-US" i="0" dirty="0" smtClean="0"/>
+              <a:t>키</a:t>
+            </a:r>
+            <a:r>
+              <a:rPr lang="en-US" altLang="ko-KR" i="0" dirty="0" smtClean="0"/>
+              <a:t>+R </a:t>
+            </a:r>
+            <a:r>
+              <a:rPr lang="ko-KR" altLang="en-US" i="0" dirty="0" smtClean="0"/>
+              <a:t>눌러서 실행을 켜고 </a:t>
+            </a:r>
+            <a:r>
+              <a:rPr lang="en-US" altLang="ko-KR" i="0" dirty="0" err="1" smtClean="0"/>
+              <a:t>cmd</a:t>
+            </a:r>
+            <a:r>
+              <a:rPr lang="en-US" altLang="ko-KR" i="0" dirty="0" smtClean="0"/>
+              <a:t> </a:t>
+            </a:r>
+            <a:r>
+              <a:rPr lang="ko-KR" altLang="en-US" i="0" dirty="0" smtClean="0"/>
+              <a:t>입력 후 </a:t>
+            </a:r>
+            <a:r>
+              <a:rPr lang="ko-KR" altLang="en-US" i="0" dirty="0" err="1" smtClean="0"/>
+              <a:t>엔터</a:t>
+            </a:r>
+            <a:r>
+              <a:rPr lang="ko-KR" altLang="en-US" i="0" dirty="0" smtClean="0"/>
+              <a:t> 혹은 확인 클릭</a:t>
+            </a:r>
+            <a:endParaRPr lang="en-US" altLang="ko-KR" i="0" dirty="0" smtClean="0"/>
+          </a:p>
+        </p:txBody>
+      </p:sp>
+      <p:sp>
+        <p:nvSpPr>
+          <p:cNvPr id="7" name="직사각형 6"/>
+          <p:cNvSpPr/>
+          <p:nvPr/>
+        </p:nvSpPr>
+        <p:spPr>
+          <a:xfrm>
+            <a:off x="2375939" y="5378281"/>
+            <a:ext cx="899276" cy="315937"/>
+          </a:xfrm>
+          <a:prstGeom prst="rect">
+            <a:avLst/>
+          </a:prstGeom>
+          <a:noFill/>
+          <a:ln>
+            <a:solidFill>
+              <a:srgbClr val="FF0000"/>
+            </a:solidFill>
+          </a:ln>
+        </p:spPr>
+        <p:style>
+          <a:lnRef idx="2">
+            <a:schemeClr val="accent6"/>
+          </a:lnRef>
+          <a:fillRef idx="1">
+            <a:schemeClr val="lt1"/>
+          </a:fillRef>
+          <a:effectRef idx="0">
+            <a:schemeClr val="accent6"/>
+          </a:effectRef>
+          <a:fontRef idx="minor">
+            <a:schemeClr val="dk1"/>
+          </a:fontRef>
+        </p:style>
+        <p:txBody>
+          <a:bodyPr rtlCol="0" anchor="ctr"/>
+          <a:lstStyle/>
+          <a:p>
+            <a:pPr algn="ctr"/>
+            <a:endParaRPr lang="ko-KR" altLang="en-US"/>
+          </a:p>
+        </p:txBody>
+      </p:sp>
+    </p:spTree>
+    <p:extLst>
+      <p:ext uri="{BB962C8B-B14F-4D97-AF65-F5344CB8AC3E}">
+        <p14:creationId xmlns:p14="http://schemas.microsoft.com/office/powerpoint/2010/main" val="3939156673"/>
+      </p:ext>
+    </p:extLst>
+  </p:cSld>
+  <p:clrMapOvr>
+    <a:masterClrMapping/>
+  </p:clrMapOvr>
+</p:sld>
+</file>
+
+<file path=ppt/slides/slide18.xml><?xml version="1.0" encoding="utf-8"?>
+<p:sld xmlns:a="http://schemas.openxmlformats.org/drawingml/2006/main" xmlns:r="http://schemas.openxmlformats.org/officeDocument/2006/relationships" xmlns:p="http://schemas.openxmlformats.org/presentationml/2006/main">
+  <p:cSld>
+    <p:spTree>
+      <p:nvGrpSpPr>
+        <p:cNvPr id="1" name=""/>
+        <p:cNvGrpSpPr/>
+        <p:nvPr/>
+      </p:nvGrpSpPr>
+      <p:grpSpPr>
+        <a:xfrm>
+          <a:off x="0" y="0"/>
+          <a:ext cx="0" cy="0"/>
+          <a:chOff x="0" y="0"/>
+          <a:chExt cx="0" cy="0"/>
+        </a:xfrm>
+      </p:grpSpPr>
+      <p:sp>
+        <p:nvSpPr>
+          <p:cNvPr id="2" name="제목 1"/>
+          <p:cNvSpPr>
+            <a:spLocks noGrp="1"/>
+          </p:cNvSpPr>
+          <p:nvPr>
+            <p:ph type="title"/>
+          </p:nvPr>
+        </p:nvSpPr>
+        <p:spPr/>
+        <p:txBody>
+          <a:bodyPr/>
+          <a:lstStyle/>
+          <a:p>
+            <a:r>
+              <a:rPr lang="ko-KR" altLang="en-US" dirty="0"/>
+              <a:t>환경 변수 확인</a:t>
+            </a:r>
+          </a:p>
+        </p:txBody>
+      </p:sp>
+      <p:sp>
+        <p:nvSpPr>
+          <p:cNvPr id="3" name="내용 개체 틀 2"/>
+          <p:cNvSpPr>
+            <a:spLocks noGrp="1"/>
+          </p:cNvSpPr>
+          <p:nvPr>
+            <p:ph idx="1"/>
+          </p:nvPr>
+        </p:nvSpPr>
+        <p:spPr/>
+        <p:txBody>
+          <a:bodyPr/>
+          <a:lstStyle/>
+          <a:p>
+            <a:r>
+              <a:rPr lang="en-US" altLang="ko-KR" dirty="0" err="1" smtClean="0"/>
+              <a:t>Cmd</a:t>
+            </a:r>
+            <a:r>
+              <a:rPr lang="ko-KR" altLang="en-US" dirty="0" smtClean="0"/>
+              <a:t>에 아래 명령어들 실행 결과 확인</a:t>
+            </a:r>
+            <a:endParaRPr lang="en-US" altLang="ko-KR" dirty="0" smtClean="0"/>
+          </a:p>
+          <a:p>
+            <a:r>
+              <a:rPr lang="ko-KR" altLang="en-US" dirty="0" smtClean="0"/>
+              <a:t>첫번째 명령어는 필수이며 두 </a:t>
+            </a:r>
+            <a:r>
+              <a:rPr lang="ko-KR" altLang="en-US" dirty="0" err="1" smtClean="0"/>
+              <a:t>번째껀</a:t>
+            </a:r>
+            <a:r>
+              <a:rPr lang="ko-KR" altLang="en-US" dirty="0" smtClean="0"/>
+              <a:t> 동작 잘 안 되도 추후 실습에 지장 없음</a:t>
+            </a:r>
+            <a:endParaRPr lang="en-US" altLang="ko-KR" dirty="0" smtClean="0"/>
+          </a:p>
+          <a:p>
+            <a:pPr lvl="1"/>
+            <a:r>
+              <a:rPr lang="en-US" altLang="ko-KR" dirty="0" smtClean="0"/>
+              <a:t>java –version</a:t>
+            </a:r>
+          </a:p>
+          <a:p>
+            <a:pPr lvl="1"/>
+            <a:r>
+              <a:rPr lang="en-US" altLang="ko-KR" dirty="0" err="1"/>
+              <a:t>j</a:t>
+            </a:r>
+            <a:r>
+              <a:rPr lang="en-US" altLang="ko-KR" dirty="0" err="1" smtClean="0"/>
+              <a:t>avac</a:t>
+            </a:r>
+            <a:r>
+              <a:rPr lang="en-US" altLang="ko-KR" dirty="0" smtClean="0"/>
+              <a:t> -version</a:t>
+            </a:r>
+            <a:endParaRPr lang="ko-KR" altLang="en-US" dirty="0"/>
+          </a:p>
+        </p:txBody>
+      </p:sp>
+      <p:pic>
+        <p:nvPicPr>
+          <p:cNvPr id="4" name="그림 3"/>
+          <p:cNvPicPr>
+            <a:picLocks noChangeAspect="1"/>
+          </p:cNvPicPr>
+          <p:nvPr/>
+        </p:nvPicPr>
+        <p:blipFill rotWithShape="1">
+          <a:blip r:embed="rId2"/>
+          <a:srcRect b="61333"/>
+          <a:stretch/>
+        </p:blipFill>
+        <p:spPr>
+          <a:xfrm>
+            <a:off x="1449486" y="3981455"/>
+            <a:ext cx="9326277" cy="1885945"/>
+          </a:xfrm>
+          <a:prstGeom prst="rect">
+            <a:avLst/>
+          </a:prstGeom>
+        </p:spPr>
+      </p:pic>
+    </p:spTree>
+    <p:extLst>
+      <p:ext uri="{BB962C8B-B14F-4D97-AF65-F5344CB8AC3E}">
+        <p14:creationId xmlns:p14="http://schemas.microsoft.com/office/powerpoint/2010/main" val="3089363320"/>
+      </p:ext>
+    </p:extLst>
+  </p:cSld>
+  <p:clrMapOvr>
+    <a:masterClrMapping/>
+  </p:clrMapOvr>
+</p:sld>
+</file>
+
+<file path=ppt/slides/slide19.xml><?xml version="1.0" encoding="utf-8"?>
+<p:sld xmlns:a="http://schemas.openxmlformats.org/drawingml/2006/main" xmlns:r="http://schemas.openxmlformats.org/officeDocument/2006/relationships" xmlns:p="http://schemas.openxmlformats.org/presentationml/2006/main">
+  <p:cSld>
+    <p:spTree>
+      <p:nvGrpSpPr>
+        <p:cNvPr id="1" name=""/>
+        <p:cNvGrpSpPr/>
+        <p:nvPr/>
+      </p:nvGrpSpPr>
+      <p:grpSpPr>
+        <a:xfrm>
+          <a:off x="0" y="0"/>
+          <a:ext cx="0" cy="0"/>
+          <a:chOff x="0" y="0"/>
+          <a:chExt cx="0" cy="0"/>
+        </a:xfrm>
+      </p:grpSpPr>
+      <p:sp>
+        <p:nvSpPr>
+          <p:cNvPr id="2" name="제목 1"/>
+          <p:cNvSpPr>
+            <a:spLocks noGrp="1"/>
+          </p:cNvSpPr>
+          <p:nvPr>
+            <p:ph type="title"/>
+          </p:nvPr>
+        </p:nvSpPr>
+        <p:spPr/>
+        <p:txBody>
+          <a:bodyPr/>
+          <a:lstStyle/>
+          <a:p>
+            <a:r>
+              <a:rPr lang="ko-KR" altLang="en-US" dirty="0" smtClean="0"/>
+              <a:t>자바 실행</a:t>
+            </a:r>
+            <a:endParaRPr lang="ko-KR" altLang="en-US" dirty="0"/>
+          </a:p>
+        </p:txBody>
+      </p:sp>
+      <p:sp>
+        <p:nvSpPr>
+          <p:cNvPr id="3" name="내용 개체 틀 2"/>
+          <p:cNvSpPr>
+            <a:spLocks noGrp="1"/>
+          </p:cNvSpPr>
+          <p:nvPr>
+            <p:ph idx="1"/>
+          </p:nvPr>
+        </p:nvSpPr>
+        <p:spPr>
+          <a:xfrm>
+            <a:off x="1371599" y="2286000"/>
+            <a:ext cx="10025150" cy="3581400"/>
+          </a:xfrm>
+        </p:spPr>
+        <p:txBody>
+          <a:bodyPr/>
+          <a:lstStyle/>
+          <a:p>
+            <a:r>
+              <a:rPr lang="ko-KR" altLang="en-US" dirty="0" smtClean="0"/>
+              <a:t>이클립스 최신 버전의 경우에는 위의 과정을 하지 않아도 자바가 됨</a:t>
+            </a:r>
+            <a:endParaRPr lang="en-US" altLang="ko-KR" dirty="0"/>
+          </a:p>
+          <a:p>
+            <a:pPr marL="0" indent="0">
+              <a:buNone/>
+            </a:pPr>
+            <a:r>
+              <a:rPr lang="en-US" altLang="ko-KR" dirty="0"/>
+              <a:t>(</a:t>
+            </a:r>
+            <a:r>
+              <a:rPr lang="ko-KR" altLang="en-US" dirty="0"/>
+              <a:t>자바 실행 환경이 이미 내장되어 있음</a:t>
+            </a:r>
+            <a:r>
+              <a:rPr lang="en-US" altLang="ko-KR" dirty="0" smtClean="0"/>
+              <a:t>)</a:t>
+            </a:r>
+          </a:p>
+          <a:p>
+            <a:r>
+              <a:rPr lang="ko-KR" altLang="en-US" dirty="0" err="1" smtClean="0"/>
+              <a:t>구버전의</a:t>
+            </a:r>
+            <a:r>
+              <a:rPr lang="ko-KR" altLang="en-US" dirty="0" smtClean="0"/>
+              <a:t> 경우에는 위 과정을 진행해주어야 함</a:t>
+            </a:r>
+            <a:endParaRPr lang="en-US" altLang="ko-KR" dirty="0" smtClean="0"/>
+          </a:p>
+          <a:p>
+            <a:pPr lvl="1"/>
+            <a:r>
+              <a:rPr lang="ko-KR" altLang="en-US" i="0" dirty="0" smtClean="0"/>
+              <a:t>이클립스 설치 버전을 다운받았을 경우 설치 완료 후 바로 실행하면 됨</a:t>
+            </a:r>
+            <a:endParaRPr lang="en-US" altLang="ko-KR" i="0" dirty="0" smtClean="0"/>
+          </a:p>
+          <a:p>
+            <a:pPr lvl="1"/>
+            <a:r>
+              <a:rPr lang="ko-KR" altLang="en-US" i="0" dirty="0" smtClean="0"/>
+              <a:t>이클립스 패키지 파일을 다운 받았을 경우엔 압축 풀고 </a:t>
+            </a:r>
+            <a:r>
+              <a:rPr lang="en-US" altLang="ko-KR" i="0" dirty="0" smtClean="0"/>
+              <a:t>eclipse(</a:t>
+            </a:r>
+            <a:r>
+              <a:rPr lang="ko-KR" altLang="en-US" i="0" dirty="0" smtClean="0"/>
+              <a:t>보라색 아이콘</a:t>
+            </a:r>
+            <a:r>
+              <a:rPr lang="en-US" altLang="ko-KR" i="0" dirty="0" smtClean="0"/>
+              <a:t>)</a:t>
+            </a:r>
+            <a:r>
+              <a:rPr lang="ko-KR" altLang="en-US" i="0" dirty="0" smtClean="0"/>
+              <a:t>을 더블 클릭하면 실행 됨</a:t>
+            </a:r>
+            <a:endParaRPr lang="ko-KR" altLang="en-US" i="0" dirty="0"/>
+          </a:p>
+        </p:txBody>
+      </p:sp>
+    </p:spTree>
+    <p:extLst>
+      <p:ext uri="{BB962C8B-B14F-4D97-AF65-F5344CB8AC3E}">
+        <p14:creationId xmlns:p14="http://schemas.microsoft.com/office/powerpoint/2010/main" val="793844197"/>
       </p:ext>
     </p:extLst>
   </p:cSld>
@@ -5524,6 +6320,50 @@
           </a:prstGeom>
         </p:spPr>
       </p:pic>
+      <p:sp>
+        <p:nvSpPr>
+          <p:cNvPr id="6" name="직사각형 5"/>
+          <p:cNvSpPr/>
+          <p:nvPr/>
+        </p:nvSpPr>
+        <p:spPr>
+          <a:xfrm>
+            <a:off x="8703424" y="5654769"/>
+            <a:ext cx="1240675" cy="406400"/>
+          </a:xfrm>
+          <a:prstGeom prst="rect">
+            <a:avLst/>
+          </a:prstGeom>
+          <a:noFill/>
+          <a:ln>
+            <a:solidFill>
+              <a:srgbClr val="FF0000"/>
+            </a:solidFill>
+          </a:ln>
+        </p:spPr>
+        <p:style>
+          <a:lnRef idx="2">
+            <a:schemeClr val="accent6"/>
+          </a:lnRef>
+          <a:fillRef idx="1">
+            <a:schemeClr val="lt1"/>
+          </a:fillRef>
+          <a:effectRef idx="0">
+            <a:schemeClr val="accent6"/>
+          </a:effectRef>
+          <a:fontRef idx="minor">
+            <a:schemeClr val="dk1"/>
+          </a:fontRef>
+        </p:style>
+        <p:txBody>
+          <a:bodyPr rtlCol="0" anchor="ctr"/>
+          <a:lstStyle/>
+          <a:p>
+            <a:pPr algn="ctr"/>
+            <a:endParaRPr lang="ko-KR" altLang="en-US"/>
+          </a:p>
+        </p:txBody>
+      </p:sp>
     </p:spTree>
     <p:extLst>
       <p:ext uri="{BB962C8B-B14F-4D97-AF65-F5344CB8AC3E}">
@@ -5632,6 +6472,50 @@
           </a:prstGeom>
         </p:spPr>
       </p:pic>
+      <p:sp>
+        <p:nvSpPr>
+          <p:cNvPr id="5" name="직사각형 4"/>
+          <p:cNvSpPr/>
+          <p:nvPr/>
+        </p:nvSpPr>
+        <p:spPr>
+          <a:xfrm>
+            <a:off x="8038406" y="5575300"/>
+            <a:ext cx="1032857" cy="406400"/>
+          </a:xfrm>
+          <a:prstGeom prst="rect">
+            <a:avLst/>
+          </a:prstGeom>
+          <a:noFill/>
+          <a:ln>
+            <a:solidFill>
+              <a:srgbClr val="FF0000"/>
+            </a:solidFill>
+          </a:ln>
+        </p:spPr>
+        <p:style>
+          <a:lnRef idx="2">
+            <a:schemeClr val="accent6"/>
+          </a:lnRef>
+          <a:fillRef idx="1">
+            <a:schemeClr val="lt1"/>
+          </a:fillRef>
+          <a:effectRef idx="0">
+            <a:schemeClr val="accent6"/>
+          </a:effectRef>
+          <a:fontRef idx="minor">
+            <a:schemeClr val="dk1"/>
+          </a:fontRef>
+        </p:style>
+        <p:txBody>
+          <a:bodyPr rtlCol="0" anchor="ctr"/>
+          <a:lstStyle/>
+          <a:p>
+            <a:pPr algn="ctr"/>
+            <a:endParaRPr lang="ko-KR" altLang="en-US"/>
+          </a:p>
+        </p:txBody>
+      </p:sp>
     </p:spTree>
     <p:extLst>
       <p:ext uri="{BB962C8B-B14F-4D97-AF65-F5344CB8AC3E}">
@@ -5736,6 +6620,50 @@
           </a:prstGeom>
         </p:spPr>
       </p:pic>
+      <p:sp>
+        <p:nvSpPr>
+          <p:cNvPr id="5" name="직사각형 4"/>
+          <p:cNvSpPr/>
+          <p:nvPr/>
+        </p:nvSpPr>
+        <p:spPr>
+          <a:xfrm>
+            <a:off x="9771611" y="5429438"/>
+            <a:ext cx="1201189" cy="406400"/>
+          </a:xfrm>
+          <a:prstGeom prst="rect">
+            <a:avLst/>
+          </a:prstGeom>
+          <a:noFill/>
+          <a:ln>
+            <a:solidFill>
+              <a:srgbClr val="FF0000"/>
+            </a:solidFill>
+          </a:ln>
+        </p:spPr>
+        <p:style>
+          <a:lnRef idx="2">
+            <a:schemeClr val="accent6"/>
+          </a:lnRef>
+          <a:fillRef idx="1">
+            <a:schemeClr val="lt1"/>
+          </a:fillRef>
+          <a:effectRef idx="0">
+            <a:schemeClr val="accent6"/>
+          </a:effectRef>
+          <a:fontRef idx="minor">
+            <a:schemeClr val="dk1"/>
+          </a:fontRef>
+        </p:style>
+        <p:txBody>
+          <a:bodyPr rtlCol="0" anchor="ctr"/>
+          <a:lstStyle/>
+          <a:p>
+            <a:pPr algn="ctr"/>
+            <a:endParaRPr lang="ko-KR" altLang="en-US"/>
+          </a:p>
+        </p:txBody>
+      </p:sp>
     </p:spTree>
     <p:extLst>
       <p:ext uri="{BB962C8B-B14F-4D97-AF65-F5344CB8AC3E}">
@@ -5864,6 +6792,50 @@
           </a:prstGeom>
         </p:spPr>
       </p:pic>
+      <p:sp>
+        <p:nvSpPr>
+          <p:cNvPr id="6" name="직사각형 5"/>
+          <p:cNvSpPr/>
+          <p:nvPr/>
+        </p:nvSpPr>
+        <p:spPr>
+          <a:xfrm>
+            <a:off x="10229850" y="6022119"/>
+            <a:ext cx="950768" cy="406400"/>
+          </a:xfrm>
+          <a:prstGeom prst="rect">
+            <a:avLst/>
+          </a:prstGeom>
+          <a:noFill/>
+          <a:ln>
+            <a:solidFill>
+              <a:srgbClr val="FF0000"/>
+            </a:solidFill>
+          </a:ln>
+        </p:spPr>
+        <p:style>
+          <a:lnRef idx="2">
+            <a:schemeClr val="accent6"/>
+          </a:lnRef>
+          <a:fillRef idx="1">
+            <a:schemeClr val="lt1"/>
+          </a:fillRef>
+          <a:effectRef idx="0">
+            <a:schemeClr val="accent6"/>
+          </a:effectRef>
+          <a:fontRef idx="minor">
+            <a:schemeClr val="dk1"/>
+          </a:fontRef>
+        </p:style>
+        <p:txBody>
+          <a:bodyPr rtlCol="0" anchor="ctr"/>
+          <a:lstStyle/>
+          <a:p>
+            <a:pPr algn="ctr"/>
+            <a:endParaRPr lang="ko-KR" altLang="en-US"/>
+          </a:p>
+        </p:txBody>
+      </p:sp>
     </p:spTree>
     <p:extLst>
       <p:ext uri="{BB962C8B-B14F-4D97-AF65-F5344CB8AC3E}">
@@ -6026,6 +6998,138 @@
           </a:prstGeom>
         </p:spPr>
       </p:pic>
+      <p:sp>
+        <p:nvSpPr>
+          <p:cNvPr id="7" name="직사각형 6"/>
+          <p:cNvSpPr/>
+          <p:nvPr/>
+        </p:nvSpPr>
+        <p:spPr>
+          <a:xfrm>
+            <a:off x="1832956" y="4806835"/>
+            <a:ext cx="951808" cy="406400"/>
+          </a:xfrm>
+          <a:prstGeom prst="rect">
+            <a:avLst/>
+          </a:prstGeom>
+          <a:noFill/>
+          <a:ln>
+            <a:solidFill>
+              <a:srgbClr val="FF0000"/>
+            </a:solidFill>
+          </a:ln>
+        </p:spPr>
+        <p:style>
+          <a:lnRef idx="2">
+            <a:schemeClr val="accent6"/>
+          </a:lnRef>
+          <a:fillRef idx="1">
+            <a:schemeClr val="lt1"/>
+          </a:fillRef>
+          <a:effectRef idx="0">
+            <a:schemeClr val="accent6"/>
+          </a:effectRef>
+          <a:fontRef idx="minor">
+            <a:schemeClr val="dk1"/>
+          </a:fontRef>
+        </p:style>
+        <p:txBody>
+          <a:bodyPr rtlCol="0" anchor="ctr"/>
+          <a:lstStyle/>
+          <a:p>
+            <a:pPr algn="ctr"/>
+            <a:endParaRPr lang="ko-KR" altLang="en-US"/>
+          </a:p>
+        </p:txBody>
+      </p:sp>
+      <p:sp>
+        <p:nvSpPr>
+          <p:cNvPr id="10" name="직사각형 9"/>
+          <p:cNvSpPr/>
+          <p:nvPr/>
+        </p:nvSpPr>
+        <p:spPr>
+          <a:xfrm>
+            <a:off x="2399482" y="5609820"/>
+            <a:ext cx="951808" cy="406400"/>
+          </a:xfrm>
+          <a:prstGeom prst="rect">
+            <a:avLst/>
+          </a:prstGeom>
+          <a:noFill/>
+          <a:ln>
+            <a:solidFill>
+              <a:srgbClr val="FF0000"/>
+            </a:solidFill>
+          </a:ln>
+        </p:spPr>
+        <p:style>
+          <a:lnRef idx="2">
+            <a:schemeClr val="accent6"/>
+          </a:lnRef>
+          <a:fillRef idx="1">
+            <a:schemeClr val="lt1"/>
+          </a:fillRef>
+          <a:effectRef idx="0">
+            <a:schemeClr val="accent6"/>
+          </a:effectRef>
+          <a:fontRef idx="minor">
+            <a:schemeClr val="dk1"/>
+          </a:fontRef>
+        </p:style>
+        <p:txBody>
+          <a:bodyPr rtlCol="0" anchor="ctr"/>
+          <a:lstStyle/>
+          <a:p>
+            <a:pPr algn="ctr"/>
+            <a:endParaRPr lang="ko-KR" altLang="en-US"/>
+          </a:p>
+        </p:txBody>
+      </p:sp>
+      <p:sp>
+        <p:nvSpPr>
+          <p:cNvPr id="11" name="직사각형 10"/>
+          <p:cNvSpPr/>
+          <p:nvPr/>
+        </p:nvSpPr>
+        <p:spPr>
+          <a:xfrm>
+            <a:off x="8902806" y="1524000"/>
+            <a:ext cx="374198" cy="246611"/>
+          </a:xfrm>
+          <a:prstGeom prst="rect">
+            <a:avLst/>
+          </a:prstGeom>
+          <a:noFill/>
+          <a:ln>
+            <a:solidFill>
+              <a:srgbClr val="FF0000"/>
+            </a:solidFill>
+          </a:ln>
+        </p:spPr>
+        <p:style>
+          <a:lnRef idx="2">
+            <a:schemeClr val="accent6"/>
+          </a:lnRef>
+          <a:fillRef idx="1">
+            <a:schemeClr val="lt1"/>
+          </a:fillRef>
+          <a:effectRef idx="0">
+            <a:schemeClr val="accent6"/>
+          </a:effectRef>
+          <a:fontRef idx="minor">
+            <a:schemeClr val="dk1"/>
+          </a:fontRef>
+        </p:style>
+        <p:txBody>
+          <a:bodyPr rtlCol="0" anchor="ctr"/>
+          <a:lstStyle/>
+          <a:p>
+            <a:pPr algn="ctr"/>
+            <a:endParaRPr lang="ko-KR" altLang="en-US"/>
+          </a:p>
+        </p:txBody>
+      </p:sp>
     </p:spTree>
     <p:extLst>
       <p:ext uri="{BB962C8B-B14F-4D97-AF65-F5344CB8AC3E}">
@@ -6188,6 +7292,50 @@
           </a:prstGeom>
         </p:spPr>
       </p:pic>
+      <p:sp>
+        <p:nvSpPr>
+          <p:cNvPr id="6" name="직사각형 5"/>
+          <p:cNvSpPr/>
+          <p:nvPr/>
+        </p:nvSpPr>
+        <p:spPr>
+          <a:xfrm>
+            <a:off x="8902806" y="1524000"/>
+            <a:ext cx="374198" cy="246611"/>
+          </a:xfrm>
+          <a:prstGeom prst="rect">
+            <a:avLst/>
+          </a:prstGeom>
+          <a:noFill/>
+          <a:ln>
+            <a:solidFill>
+              <a:srgbClr val="FF0000"/>
+            </a:solidFill>
+          </a:ln>
+        </p:spPr>
+        <p:style>
+          <a:lnRef idx="2">
+            <a:schemeClr val="accent6"/>
+          </a:lnRef>
+          <a:fillRef idx="1">
+            <a:schemeClr val="lt1"/>
+          </a:fillRef>
+          <a:effectRef idx="0">
+            <a:schemeClr val="accent6"/>
+          </a:effectRef>
+          <a:fontRef idx="minor">
+            <a:schemeClr val="dk1"/>
+          </a:fontRef>
+        </p:style>
+        <p:txBody>
+          <a:bodyPr rtlCol="0" anchor="ctr"/>
+          <a:lstStyle/>
+          <a:p>
+            <a:pPr algn="ctr"/>
+            <a:endParaRPr lang="ko-KR" altLang="en-US"/>
+          </a:p>
+        </p:txBody>
+      </p:sp>
     </p:spTree>
     <p:extLst>
       <p:ext uri="{BB962C8B-B14F-4D97-AF65-F5344CB8AC3E}">
